--- a/Web Site Project/UI UX/P2.pptx
+++ b/Web Site Project/UI UX/P2.pptx
@@ -6,7 +6,6 @@
   </p:sldMasterIdLst>
   <p:sldIdLst>
     <p:sldId id="256" r:id="rId2"/>
-    <p:sldId id="257" r:id="rId3"/>
   </p:sldIdLst>
   <p:sldSz cx="12192000" cy="6858000"/>
   <p:notesSz cx="6858000" cy="9144000"/>
@@ -255,7 +254,7 @@
           <a:p>
             <a:fld id="{B38FCF32-C54D-4450-86B6-50F00BAFA65E}" type="datetimeFigureOut">
               <a:rPr lang="en-US" smtClean="0"/>
-              <a:t>8/25/2025</a:t>
+              <a:t>11/3/2025</a:t>
             </a:fld>
             <a:endParaRPr lang="en-US"/>
           </a:p>
@@ -425,7 +424,7 @@
           <a:p>
             <a:fld id="{B38FCF32-C54D-4450-86B6-50F00BAFA65E}" type="datetimeFigureOut">
               <a:rPr lang="en-US" smtClean="0"/>
-              <a:t>8/25/2025</a:t>
+              <a:t>11/3/2025</a:t>
             </a:fld>
             <a:endParaRPr lang="en-US"/>
           </a:p>
@@ -605,7 +604,7 @@
           <a:p>
             <a:fld id="{B38FCF32-C54D-4450-86B6-50F00BAFA65E}" type="datetimeFigureOut">
               <a:rPr lang="en-US" smtClean="0"/>
-              <a:t>8/25/2025</a:t>
+              <a:t>11/3/2025</a:t>
             </a:fld>
             <a:endParaRPr lang="en-US"/>
           </a:p>
@@ -775,7 +774,7 @@
           <a:p>
             <a:fld id="{B38FCF32-C54D-4450-86B6-50F00BAFA65E}" type="datetimeFigureOut">
               <a:rPr lang="en-US" smtClean="0"/>
-              <a:t>8/25/2025</a:t>
+              <a:t>11/3/2025</a:t>
             </a:fld>
             <a:endParaRPr lang="en-US"/>
           </a:p>
@@ -1021,7 +1020,7 @@
           <a:p>
             <a:fld id="{B38FCF32-C54D-4450-86B6-50F00BAFA65E}" type="datetimeFigureOut">
               <a:rPr lang="en-US" smtClean="0"/>
-              <a:t>8/25/2025</a:t>
+              <a:t>11/3/2025</a:t>
             </a:fld>
             <a:endParaRPr lang="en-US"/>
           </a:p>
@@ -1253,7 +1252,7 @@
           <a:p>
             <a:fld id="{B38FCF32-C54D-4450-86B6-50F00BAFA65E}" type="datetimeFigureOut">
               <a:rPr lang="en-US" smtClean="0"/>
-              <a:t>8/25/2025</a:t>
+              <a:t>11/3/2025</a:t>
             </a:fld>
             <a:endParaRPr lang="en-US"/>
           </a:p>
@@ -1620,7 +1619,7 @@
           <a:p>
             <a:fld id="{B38FCF32-C54D-4450-86B6-50F00BAFA65E}" type="datetimeFigureOut">
               <a:rPr lang="en-US" smtClean="0"/>
-              <a:t>8/25/2025</a:t>
+              <a:t>11/3/2025</a:t>
             </a:fld>
             <a:endParaRPr lang="en-US"/>
           </a:p>
@@ -1738,7 +1737,7 @@
           <a:p>
             <a:fld id="{B38FCF32-C54D-4450-86B6-50F00BAFA65E}" type="datetimeFigureOut">
               <a:rPr lang="en-US" smtClean="0"/>
-              <a:t>8/25/2025</a:t>
+              <a:t>11/3/2025</a:t>
             </a:fld>
             <a:endParaRPr lang="en-US"/>
           </a:p>
@@ -1833,7 +1832,7 @@
           <a:p>
             <a:fld id="{B38FCF32-C54D-4450-86B6-50F00BAFA65E}" type="datetimeFigureOut">
               <a:rPr lang="en-US" smtClean="0"/>
-              <a:t>8/25/2025</a:t>
+              <a:t>11/3/2025</a:t>
             </a:fld>
             <a:endParaRPr lang="en-US"/>
           </a:p>
@@ -2110,7 +2109,7 @@
           <a:p>
             <a:fld id="{B38FCF32-C54D-4450-86B6-50F00BAFA65E}" type="datetimeFigureOut">
               <a:rPr lang="en-US" smtClean="0"/>
-              <a:t>8/25/2025</a:t>
+              <a:t>11/3/2025</a:t>
             </a:fld>
             <a:endParaRPr lang="en-US"/>
           </a:p>
@@ -2363,7 +2362,7 @@
           <a:p>
             <a:fld id="{B38FCF32-C54D-4450-86B6-50F00BAFA65E}" type="datetimeFigureOut">
               <a:rPr lang="en-US" smtClean="0"/>
-              <a:t>8/25/2025</a:t>
+              <a:t>11/3/2025</a:t>
             </a:fld>
             <a:endParaRPr lang="en-US"/>
           </a:p>
@@ -2576,7 +2575,7 @@
           <a:p>
             <a:fld id="{B38FCF32-C54D-4450-86B6-50F00BAFA65E}" type="datetimeFigureOut">
               <a:rPr lang="en-US" smtClean="0"/>
-              <a:t>8/25/2025</a:t>
+              <a:t>11/3/2025</a:t>
             </a:fld>
             <a:endParaRPr lang="en-US"/>
           </a:p>
@@ -3377,23 +3376,7 @@
                   </a:outerShdw>
                 </a:effectLst>
               </a:rPr>
-              <a:t>اسأل </a:t>
-            </a:r>
-            <a:r>
-              <a:rPr lang="ar-EG" dirty="0" smtClean="0">
-                <a:ln w="0"/>
-                <a:solidFill>
-                  <a:schemeClr val="tx1"/>
-                </a:solidFill>
-                <a:effectLst>
-                  <a:outerShdw blurRad="38100" dist="19050" dir="2700000" algn="tl" rotWithShape="0">
-                    <a:schemeClr val="dk1">
-                      <a:alpha val="40000"/>
-                    </a:schemeClr>
-                  </a:outerShdw>
-                </a:effectLst>
-              </a:rPr>
-              <a:t>طبيب</a:t>
+              <a:t>اسأل طبيب</a:t>
             </a:r>
             <a:endParaRPr lang="en-US" dirty="0">
               <a:ln w="0"/>
@@ -4136,1154 +4119,6 @@
     <p:extLst>
       <p:ext uri="{BB962C8B-B14F-4D97-AF65-F5344CB8AC3E}">
         <p14:creationId xmlns:p14="http://schemas.microsoft.com/office/powerpoint/2010/main" val="2520787570"/>
-      </p:ext>
-    </p:extLst>
-  </p:cSld>
-  <p:clrMapOvr>
-    <a:masterClrMapping/>
-  </p:clrMapOvr>
-</p:sld>
-</file>
-
-<file path=ppt/slides/slide2.xml><?xml version="1.0" encoding="utf-8"?>
-<p:sld xmlns:a="http://schemas.openxmlformats.org/drawingml/2006/main" xmlns:r="http://schemas.openxmlformats.org/officeDocument/2006/relationships" xmlns:p="http://schemas.openxmlformats.org/presentationml/2006/main">
-  <p:cSld>
-    <p:spTree>
-      <p:nvGrpSpPr>
-        <p:cNvPr id="1" name=""/>
-        <p:cNvGrpSpPr/>
-        <p:nvPr/>
-      </p:nvGrpSpPr>
-      <p:grpSpPr>
-        <a:xfrm>
-          <a:off x="0" y="0"/>
-          <a:ext cx="0" cy="0"/>
-          <a:chOff x="0" y="0"/>
-          <a:chExt cx="0" cy="0"/>
-        </a:xfrm>
-      </p:grpSpPr>
-      <p:sp>
-        <p:nvSpPr>
-          <p:cNvPr id="4" name="Rectangle 3"/>
-          <p:cNvSpPr/>
-          <p:nvPr/>
-        </p:nvSpPr>
-        <p:spPr>
-          <a:xfrm>
-            <a:off x="130419" y="228599"/>
-            <a:ext cx="11931161" cy="1195754"/>
-          </a:xfrm>
-          <a:prstGeom prst="rect">
-            <a:avLst/>
-          </a:prstGeom>
-        </p:spPr>
-        <p:style>
-          <a:lnRef idx="2">
-            <a:schemeClr val="accent1">
-              <a:shade val="50000"/>
-            </a:schemeClr>
-          </a:lnRef>
-          <a:fillRef idx="1">
-            <a:schemeClr val="accent1"/>
-          </a:fillRef>
-          <a:effectRef idx="0">
-            <a:schemeClr val="accent1"/>
-          </a:effectRef>
-          <a:fontRef idx="minor">
-            <a:schemeClr val="lt1"/>
-          </a:fontRef>
-        </p:style>
-        <p:txBody>
-          <a:bodyPr rtlCol="0" anchor="ctr"/>
-          <a:lstStyle/>
-          <a:p>
-            <a:pPr algn="ctr"/>
-            <a:endParaRPr lang="en-US"/>
-          </a:p>
-        </p:txBody>
-      </p:sp>
-      <p:sp>
-        <p:nvSpPr>
-          <p:cNvPr id="5" name="Oval 4"/>
-          <p:cNvSpPr/>
-          <p:nvPr/>
-        </p:nvSpPr>
-        <p:spPr>
-          <a:xfrm>
-            <a:off x="10818644" y="441430"/>
-            <a:ext cx="972573" cy="624254"/>
-          </a:xfrm>
-          <a:prstGeom prst="ellipse">
-            <a:avLst/>
-          </a:prstGeom>
-        </p:spPr>
-        <p:style>
-          <a:lnRef idx="2">
-            <a:schemeClr val="dk1">
-              <a:shade val="50000"/>
-            </a:schemeClr>
-          </a:lnRef>
-          <a:fillRef idx="1">
-            <a:schemeClr val="dk1"/>
-          </a:fillRef>
-          <a:effectRef idx="0">
-            <a:schemeClr val="dk1"/>
-          </a:effectRef>
-          <a:fontRef idx="minor">
-            <a:schemeClr val="lt1"/>
-          </a:fontRef>
-        </p:style>
-        <p:txBody>
-          <a:bodyPr rtlCol="0" anchor="ctr"/>
-          <a:lstStyle/>
-          <a:p>
-            <a:pPr algn="ctr"/>
-            <a:r>
-              <a:rPr lang="en-US" dirty="0" smtClean="0"/>
-              <a:t>Logo</a:t>
-            </a:r>
-            <a:endParaRPr lang="en-US" dirty="0"/>
-          </a:p>
-        </p:txBody>
-      </p:sp>
-      <p:sp>
-        <p:nvSpPr>
-          <p:cNvPr id="6" name="Rounded Rectangle 5"/>
-          <p:cNvSpPr/>
-          <p:nvPr/>
-        </p:nvSpPr>
-        <p:spPr>
-          <a:xfrm>
-            <a:off x="9440450" y="476593"/>
-            <a:ext cx="1107831" cy="545123"/>
-          </a:xfrm>
-          <a:prstGeom prst="roundRect">
-            <a:avLst/>
-          </a:prstGeom>
-        </p:spPr>
-        <p:style>
-          <a:lnRef idx="1">
-            <a:schemeClr val="dk1"/>
-          </a:lnRef>
-          <a:fillRef idx="2">
-            <a:schemeClr val="dk1"/>
-          </a:fillRef>
-          <a:effectRef idx="1">
-            <a:schemeClr val="dk1"/>
-          </a:effectRef>
-          <a:fontRef idx="minor">
-            <a:schemeClr val="dk1"/>
-          </a:fontRef>
-        </p:style>
-        <p:txBody>
-          <a:bodyPr rtlCol="0" anchor="ctr"/>
-          <a:lstStyle/>
-          <a:p>
-            <a:pPr algn="ctr"/>
-            <a:r>
-              <a:rPr lang="ar-EG" dirty="0" smtClean="0">
-                <a:ln w="0"/>
-                <a:solidFill>
-                  <a:schemeClr val="tx1"/>
-                </a:solidFill>
-                <a:effectLst>
-                  <a:outerShdw blurRad="38100" dist="19050" dir="2700000" algn="tl" rotWithShape="0">
-                    <a:schemeClr val="dk1">
-                      <a:alpha val="40000"/>
-                    </a:schemeClr>
-                  </a:outerShdw>
-                </a:effectLst>
-              </a:rPr>
-              <a:t>الرئيسية</a:t>
-            </a:r>
-            <a:endParaRPr lang="en-US" dirty="0">
-              <a:ln w="0"/>
-              <a:solidFill>
-                <a:schemeClr val="tx1"/>
-              </a:solidFill>
-              <a:effectLst>
-                <a:outerShdw blurRad="38100" dist="19050" dir="2700000" algn="tl" rotWithShape="0">
-                  <a:schemeClr val="dk1">
-                    <a:alpha val="40000"/>
-                  </a:schemeClr>
-                </a:outerShdw>
-              </a:effectLst>
-            </a:endParaRPr>
-          </a:p>
-        </p:txBody>
-      </p:sp>
-      <p:sp>
-        <p:nvSpPr>
-          <p:cNvPr id="7" name="Rounded Rectangle 6"/>
-          <p:cNvSpPr/>
-          <p:nvPr/>
-        </p:nvSpPr>
-        <p:spPr>
-          <a:xfrm>
-            <a:off x="8046868" y="476593"/>
-            <a:ext cx="1107831" cy="545123"/>
-          </a:xfrm>
-          <a:prstGeom prst="roundRect">
-            <a:avLst/>
-          </a:prstGeom>
-        </p:spPr>
-        <p:style>
-          <a:lnRef idx="1">
-            <a:schemeClr val="dk1"/>
-          </a:lnRef>
-          <a:fillRef idx="2">
-            <a:schemeClr val="dk1"/>
-          </a:fillRef>
-          <a:effectRef idx="1">
-            <a:schemeClr val="dk1"/>
-          </a:effectRef>
-          <a:fontRef idx="minor">
-            <a:schemeClr val="dk1"/>
-          </a:fontRef>
-        </p:style>
-        <p:txBody>
-          <a:bodyPr rtlCol="0" anchor="ctr"/>
-          <a:lstStyle/>
-          <a:p>
-            <a:pPr algn="ctr"/>
-            <a:r>
-              <a:rPr lang="ar-EG" dirty="0" smtClean="0">
-                <a:ln w="0"/>
-                <a:solidFill>
-                  <a:schemeClr val="tx1"/>
-                </a:solidFill>
-                <a:effectLst>
-                  <a:outerShdw blurRad="38100" dist="19050" dir="2700000" algn="tl" rotWithShape="0">
-                    <a:schemeClr val="dk1">
-                      <a:alpha val="40000"/>
-                    </a:schemeClr>
-                  </a:outerShdw>
-                </a:effectLst>
-              </a:rPr>
-              <a:t>نبذة عنا</a:t>
-            </a:r>
-            <a:endParaRPr lang="en-US" dirty="0">
-              <a:ln w="0"/>
-              <a:solidFill>
-                <a:schemeClr val="tx1"/>
-              </a:solidFill>
-              <a:effectLst>
-                <a:outerShdw blurRad="38100" dist="19050" dir="2700000" algn="tl" rotWithShape="0">
-                  <a:schemeClr val="dk1">
-                    <a:alpha val="40000"/>
-                  </a:schemeClr>
-                </a:outerShdw>
-              </a:effectLst>
-            </a:endParaRPr>
-          </a:p>
-        </p:txBody>
-      </p:sp>
-      <p:sp>
-        <p:nvSpPr>
-          <p:cNvPr id="8" name="Rounded Rectangle 7"/>
-          <p:cNvSpPr/>
-          <p:nvPr/>
-        </p:nvSpPr>
-        <p:spPr>
-          <a:xfrm>
-            <a:off x="6671968" y="476593"/>
-            <a:ext cx="1107831" cy="545123"/>
-          </a:xfrm>
-          <a:prstGeom prst="roundRect">
-            <a:avLst/>
-          </a:prstGeom>
-        </p:spPr>
-        <p:style>
-          <a:lnRef idx="1">
-            <a:schemeClr val="dk1"/>
-          </a:lnRef>
-          <a:fillRef idx="2">
-            <a:schemeClr val="dk1"/>
-          </a:fillRef>
-          <a:effectRef idx="1">
-            <a:schemeClr val="dk1"/>
-          </a:effectRef>
-          <a:fontRef idx="minor">
-            <a:schemeClr val="dk1"/>
-          </a:fontRef>
-        </p:style>
-        <p:txBody>
-          <a:bodyPr rtlCol="0" anchor="ctr"/>
-          <a:lstStyle/>
-          <a:p>
-            <a:pPr algn="ctr"/>
-            <a:r>
-              <a:rPr lang="ar-EG" dirty="0" smtClean="0">
-                <a:ln w="0"/>
-                <a:solidFill>
-                  <a:schemeClr val="tx1"/>
-                </a:solidFill>
-                <a:effectLst>
-                  <a:outerShdw blurRad="38100" dist="19050" dir="2700000" algn="tl" rotWithShape="0">
-                    <a:schemeClr val="dk1">
-                      <a:alpha val="40000"/>
-                    </a:schemeClr>
-                  </a:outerShdw>
-                </a:effectLst>
-              </a:rPr>
-              <a:t>المنتجات</a:t>
-            </a:r>
-            <a:endParaRPr lang="en-US" dirty="0">
-              <a:ln w="0"/>
-              <a:solidFill>
-                <a:schemeClr val="tx1"/>
-              </a:solidFill>
-              <a:effectLst>
-                <a:outerShdw blurRad="38100" dist="19050" dir="2700000" algn="tl" rotWithShape="0">
-                  <a:schemeClr val="dk1">
-                    <a:alpha val="40000"/>
-                  </a:schemeClr>
-                </a:outerShdw>
-              </a:effectLst>
-            </a:endParaRPr>
-          </a:p>
-        </p:txBody>
-      </p:sp>
-      <p:sp>
-        <p:nvSpPr>
-          <p:cNvPr id="9" name="Rounded Rectangle 8"/>
-          <p:cNvSpPr/>
-          <p:nvPr/>
-        </p:nvSpPr>
-        <p:spPr>
-          <a:xfrm>
-            <a:off x="5344252" y="469627"/>
-            <a:ext cx="1107831" cy="545123"/>
-          </a:xfrm>
-          <a:prstGeom prst="roundRect">
-            <a:avLst/>
-          </a:prstGeom>
-        </p:spPr>
-        <p:style>
-          <a:lnRef idx="1">
-            <a:schemeClr val="dk1"/>
-          </a:lnRef>
-          <a:fillRef idx="2">
-            <a:schemeClr val="dk1"/>
-          </a:fillRef>
-          <a:effectRef idx="1">
-            <a:schemeClr val="dk1"/>
-          </a:effectRef>
-          <a:fontRef idx="minor">
-            <a:schemeClr val="dk1"/>
-          </a:fontRef>
-        </p:style>
-        <p:txBody>
-          <a:bodyPr rtlCol="0" anchor="ctr"/>
-          <a:lstStyle/>
-          <a:p>
-            <a:pPr algn="ctr"/>
-            <a:r>
-              <a:rPr lang="ar-EG" dirty="0" smtClean="0">
-                <a:ln w="0"/>
-                <a:solidFill>
-                  <a:schemeClr val="tx1"/>
-                </a:solidFill>
-                <a:effectLst>
-                  <a:outerShdw blurRad="38100" dist="19050" dir="2700000" algn="tl" rotWithShape="0">
-                    <a:schemeClr val="dk1">
-                      <a:alpha val="40000"/>
-                    </a:schemeClr>
-                  </a:outerShdw>
-                </a:effectLst>
-              </a:rPr>
-              <a:t>نصائح صحية</a:t>
-            </a:r>
-            <a:endParaRPr lang="en-US" dirty="0">
-              <a:ln w="0"/>
-              <a:solidFill>
-                <a:schemeClr val="tx1"/>
-              </a:solidFill>
-              <a:effectLst>
-                <a:outerShdw blurRad="38100" dist="19050" dir="2700000" algn="tl" rotWithShape="0">
-                  <a:schemeClr val="dk1">
-                    <a:alpha val="40000"/>
-                  </a:schemeClr>
-                </a:outerShdw>
-              </a:effectLst>
-            </a:endParaRPr>
-          </a:p>
-        </p:txBody>
-      </p:sp>
-      <p:sp>
-        <p:nvSpPr>
-          <p:cNvPr id="10" name="Rounded Rectangle 9"/>
-          <p:cNvSpPr/>
-          <p:nvPr/>
-        </p:nvSpPr>
-        <p:spPr>
-          <a:xfrm>
-            <a:off x="3950670" y="460829"/>
-            <a:ext cx="1107831" cy="545123"/>
-          </a:xfrm>
-          <a:prstGeom prst="roundRect">
-            <a:avLst/>
-          </a:prstGeom>
-        </p:spPr>
-        <p:style>
-          <a:lnRef idx="1">
-            <a:schemeClr val="dk1"/>
-          </a:lnRef>
-          <a:fillRef idx="2">
-            <a:schemeClr val="dk1"/>
-          </a:fillRef>
-          <a:effectRef idx="1">
-            <a:schemeClr val="dk1"/>
-          </a:effectRef>
-          <a:fontRef idx="minor">
-            <a:schemeClr val="dk1"/>
-          </a:fontRef>
-        </p:style>
-        <p:txBody>
-          <a:bodyPr rtlCol="0" anchor="ctr"/>
-          <a:lstStyle/>
-          <a:p>
-            <a:pPr algn="ctr"/>
-            <a:r>
-              <a:rPr lang="ar-EG" dirty="0" smtClean="0">
-                <a:ln w="0"/>
-                <a:solidFill>
-                  <a:schemeClr val="tx1"/>
-                </a:solidFill>
-                <a:effectLst>
-                  <a:outerShdw blurRad="38100" dist="19050" dir="2700000" algn="tl" rotWithShape="0">
-                    <a:schemeClr val="dk1">
-                      <a:alpha val="40000"/>
-                    </a:schemeClr>
-                  </a:outerShdw>
-                </a:effectLst>
-              </a:rPr>
-              <a:t>اسأل </a:t>
-            </a:r>
-            <a:r>
-              <a:rPr lang="ar-EG" dirty="0" smtClean="0">
-                <a:ln w="0"/>
-                <a:solidFill>
-                  <a:schemeClr val="tx1"/>
-                </a:solidFill>
-                <a:effectLst>
-                  <a:outerShdw blurRad="38100" dist="19050" dir="2700000" algn="tl" rotWithShape="0">
-                    <a:schemeClr val="dk1">
-                      <a:alpha val="40000"/>
-                    </a:schemeClr>
-                  </a:outerShdw>
-                </a:effectLst>
-              </a:rPr>
-              <a:t>طبيب</a:t>
-            </a:r>
-            <a:endParaRPr lang="en-US" dirty="0">
-              <a:ln w="0"/>
-              <a:solidFill>
-                <a:schemeClr val="tx1"/>
-              </a:solidFill>
-              <a:effectLst>
-                <a:outerShdw blurRad="38100" dist="19050" dir="2700000" algn="tl" rotWithShape="0">
-                  <a:schemeClr val="dk1">
-                    <a:alpha val="40000"/>
-                  </a:schemeClr>
-                </a:outerShdw>
-              </a:effectLst>
-            </a:endParaRPr>
-          </a:p>
-        </p:txBody>
-      </p:sp>
-      <p:sp>
-        <p:nvSpPr>
-          <p:cNvPr id="11" name="Rounded Rectangle 10"/>
-          <p:cNvSpPr/>
-          <p:nvPr/>
-        </p:nvSpPr>
-        <p:spPr>
-          <a:xfrm>
-            <a:off x="2622954" y="469627"/>
-            <a:ext cx="1107831" cy="545123"/>
-          </a:xfrm>
-          <a:prstGeom prst="roundRect">
-            <a:avLst/>
-          </a:prstGeom>
-        </p:spPr>
-        <p:style>
-          <a:lnRef idx="1">
-            <a:schemeClr val="dk1"/>
-          </a:lnRef>
-          <a:fillRef idx="2">
-            <a:schemeClr val="dk1"/>
-          </a:fillRef>
-          <a:effectRef idx="1">
-            <a:schemeClr val="dk1"/>
-          </a:effectRef>
-          <a:fontRef idx="minor">
-            <a:schemeClr val="dk1"/>
-          </a:fontRef>
-        </p:style>
-        <p:txBody>
-          <a:bodyPr rtlCol="0" anchor="ctr"/>
-          <a:lstStyle/>
-          <a:p>
-            <a:pPr algn="ctr"/>
-            <a:r>
-              <a:rPr lang="ar-EG" dirty="0" smtClean="0">
-                <a:ln w="0"/>
-                <a:solidFill>
-                  <a:schemeClr val="tx1"/>
-                </a:solidFill>
-                <a:effectLst>
-                  <a:outerShdw blurRad="38100" dist="19050" dir="2700000" algn="tl" rotWithShape="0">
-                    <a:schemeClr val="dk1">
-                      <a:alpha val="40000"/>
-                    </a:schemeClr>
-                  </a:outerShdw>
-                </a:effectLst>
-              </a:rPr>
-              <a:t>البحث</a:t>
-            </a:r>
-            <a:endParaRPr lang="en-US" dirty="0">
-              <a:ln w="0"/>
-              <a:solidFill>
-                <a:schemeClr val="tx1"/>
-              </a:solidFill>
-              <a:effectLst>
-                <a:outerShdw blurRad="38100" dist="19050" dir="2700000" algn="tl" rotWithShape="0">
-                  <a:schemeClr val="dk1">
-                    <a:alpha val="40000"/>
-                  </a:schemeClr>
-                </a:outerShdw>
-              </a:effectLst>
-            </a:endParaRPr>
-          </a:p>
-        </p:txBody>
-      </p:sp>
-      <p:pic>
-        <p:nvPicPr>
-          <p:cNvPr id="12" name="Picture 11"/>
-          <p:cNvPicPr>
-            <a:picLocks noChangeAspect="1"/>
-          </p:cNvPicPr>
-          <p:nvPr/>
-        </p:nvPicPr>
-        <p:blipFill>
-          <a:blip r:embed="rId2">
-            <a:extLst>
-              <a:ext uri="{28A0092B-C50C-407E-A947-70E740481C1C}">
-                <a14:useLocalDpi xmlns:a14="http://schemas.microsoft.com/office/drawing/2010/main" val="0"/>
-              </a:ext>
-            </a:extLst>
-          </a:blip>
-          <a:stretch>
-            <a:fillRect/>
-          </a:stretch>
-        </p:blipFill>
-        <p:spPr>
-          <a:xfrm>
-            <a:off x="321218" y="437361"/>
-            <a:ext cx="1893169" cy="609653"/>
-          </a:xfrm>
-          <a:prstGeom prst="rect">
-            <a:avLst/>
-          </a:prstGeom>
-        </p:spPr>
-      </p:pic>
-      <p:sp>
-        <p:nvSpPr>
-          <p:cNvPr id="13" name="Oval 12"/>
-          <p:cNvSpPr/>
-          <p:nvPr/>
-        </p:nvSpPr>
-        <p:spPr>
-          <a:xfrm>
-            <a:off x="108140" y="531952"/>
-            <a:ext cx="395654" cy="378073"/>
-          </a:xfrm>
-          <a:prstGeom prst="ellipse">
-            <a:avLst/>
-          </a:prstGeom>
-        </p:spPr>
-        <p:style>
-          <a:lnRef idx="2">
-            <a:schemeClr val="accent4">
-              <a:shade val="50000"/>
-            </a:schemeClr>
-          </a:lnRef>
-          <a:fillRef idx="1">
-            <a:schemeClr val="accent4"/>
-          </a:fillRef>
-          <a:effectRef idx="0">
-            <a:schemeClr val="accent4"/>
-          </a:effectRef>
-          <a:fontRef idx="minor">
-            <a:schemeClr val="lt1"/>
-          </a:fontRef>
-        </p:style>
-        <p:txBody>
-          <a:bodyPr rtlCol="0" anchor="ctr"/>
-          <a:lstStyle/>
-          <a:p>
-            <a:pPr algn="ctr"/>
-            <a:endParaRPr lang="en-US"/>
-          </a:p>
-        </p:txBody>
-      </p:sp>
-      <p:sp>
-        <p:nvSpPr>
-          <p:cNvPr id="14" name="4-Point Star 13"/>
-          <p:cNvSpPr/>
-          <p:nvPr/>
-        </p:nvSpPr>
-        <p:spPr>
-          <a:xfrm>
-            <a:off x="175743" y="590863"/>
-            <a:ext cx="278173" cy="260253"/>
-          </a:xfrm>
-          <a:prstGeom prst="star4">
-            <a:avLst/>
-          </a:prstGeom>
-        </p:spPr>
-        <p:style>
-          <a:lnRef idx="2">
-            <a:schemeClr val="accent3">
-              <a:shade val="50000"/>
-            </a:schemeClr>
-          </a:lnRef>
-          <a:fillRef idx="1">
-            <a:schemeClr val="accent3"/>
-          </a:fillRef>
-          <a:effectRef idx="0">
-            <a:schemeClr val="accent3"/>
-          </a:effectRef>
-          <a:fontRef idx="minor">
-            <a:schemeClr val="lt1"/>
-          </a:fontRef>
-        </p:style>
-        <p:txBody>
-          <a:bodyPr rtlCol="0" anchor="ctr"/>
-          <a:lstStyle/>
-          <a:p>
-            <a:pPr algn="ctr"/>
-            <a:endParaRPr lang="en-US"/>
-          </a:p>
-        </p:txBody>
-      </p:sp>
-      <p:sp>
-        <p:nvSpPr>
-          <p:cNvPr id="15" name="Rounded Rectangle 14"/>
-          <p:cNvSpPr/>
-          <p:nvPr/>
-        </p:nvSpPr>
-        <p:spPr>
-          <a:xfrm>
-            <a:off x="361000" y="1633115"/>
-            <a:ext cx="11469998" cy="1391439"/>
-          </a:xfrm>
-          <a:prstGeom prst="roundRect">
-            <a:avLst/>
-          </a:prstGeom>
-        </p:spPr>
-        <p:style>
-          <a:lnRef idx="2">
-            <a:schemeClr val="accent1">
-              <a:shade val="50000"/>
-            </a:schemeClr>
-          </a:lnRef>
-          <a:fillRef idx="1">
-            <a:schemeClr val="accent1"/>
-          </a:fillRef>
-          <a:effectRef idx="0">
-            <a:schemeClr val="accent1"/>
-          </a:effectRef>
-          <a:fontRef idx="minor">
-            <a:schemeClr val="lt1"/>
-          </a:fontRef>
-        </p:style>
-        <p:txBody>
-          <a:bodyPr rtlCol="0" anchor="ctr"/>
-          <a:lstStyle/>
-          <a:p>
-            <a:pPr algn="ctr"/>
-            <a:r>
-              <a:rPr lang="ar-EG" dirty="0" smtClean="0"/>
-              <a:t>الصورة باسم لوجو الصفحة + شوب ناوو ينقلني علي بارتشن المنتجات اللي في ناف بار</a:t>
-            </a:r>
-            <a:endParaRPr lang="en-US" dirty="0"/>
-          </a:p>
-        </p:txBody>
-      </p:sp>
-      <p:sp>
-        <p:nvSpPr>
-          <p:cNvPr id="30" name="Rounded Rectangle 29"/>
-          <p:cNvSpPr/>
-          <p:nvPr/>
-        </p:nvSpPr>
-        <p:spPr>
-          <a:xfrm>
-            <a:off x="729755" y="3650353"/>
-            <a:ext cx="1878629" cy="1307122"/>
-          </a:xfrm>
-          <a:prstGeom prst="roundRect">
-            <a:avLst/>
-          </a:prstGeom>
-        </p:spPr>
-        <p:style>
-          <a:lnRef idx="2">
-            <a:schemeClr val="accent1">
-              <a:shade val="50000"/>
-            </a:schemeClr>
-          </a:lnRef>
-          <a:fillRef idx="1">
-            <a:schemeClr val="accent1"/>
-          </a:fillRef>
-          <a:effectRef idx="0">
-            <a:schemeClr val="accent1"/>
-          </a:effectRef>
-          <a:fontRef idx="minor">
-            <a:schemeClr val="lt1"/>
-          </a:fontRef>
-        </p:style>
-        <p:txBody>
-          <a:bodyPr rtlCol="0" anchor="ctr"/>
-          <a:lstStyle/>
-          <a:p>
-            <a:pPr algn="ctr"/>
-            <a:endParaRPr lang="en-US"/>
-          </a:p>
-        </p:txBody>
-      </p:sp>
-      <p:sp>
-        <p:nvSpPr>
-          <p:cNvPr id="31" name="Rounded Rectangle 30"/>
-          <p:cNvSpPr/>
-          <p:nvPr/>
-        </p:nvSpPr>
-        <p:spPr>
-          <a:xfrm>
-            <a:off x="2891197" y="3650353"/>
-            <a:ext cx="1878629" cy="1307122"/>
-          </a:xfrm>
-          <a:prstGeom prst="roundRect">
-            <a:avLst/>
-          </a:prstGeom>
-        </p:spPr>
-        <p:style>
-          <a:lnRef idx="2">
-            <a:schemeClr val="accent1">
-              <a:shade val="50000"/>
-            </a:schemeClr>
-          </a:lnRef>
-          <a:fillRef idx="1">
-            <a:schemeClr val="accent1"/>
-          </a:fillRef>
-          <a:effectRef idx="0">
-            <a:schemeClr val="accent1"/>
-          </a:effectRef>
-          <a:fontRef idx="minor">
-            <a:schemeClr val="lt1"/>
-          </a:fontRef>
-        </p:style>
-        <p:txBody>
-          <a:bodyPr rtlCol="0" anchor="ctr"/>
-          <a:lstStyle/>
-          <a:p>
-            <a:pPr algn="ctr"/>
-            <a:endParaRPr lang="en-US"/>
-          </a:p>
-        </p:txBody>
-      </p:sp>
-      <p:sp>
-        <p:nvSpPr>
-          <p:cNvPr id="32" name="Rounded Rectangle 31"/>
-          <p:cNvSpPr/>
-          <p:nvPr/>
-        </p:nvSpPr>
-        <p:spPr>
-          <a:xfrm>
-            <a:off x="9393109" y="3618115"/>
-            <a:ext cx="1878629" cy="1307122"/>
-          </a:xfrm>
-          <a:prstGeom prst="roundRect">
-            <a:avLst/>
-          </a:prstGeom>
-        </p:spPr>
-        <p:style>
-          <a:lnRef idx="2">
-            <a:schemeClr val="accent1">
-              <a:shade val="50000"/>
-            </a:schemeClr>
-          </a:lnRef>
-          <a:fillRef idx="1">
-            <a:schemeClr val="accent1"/>
-          </a:fillRef>
-          <a:effectRef idx="0">
-            <a:schemeClr val="accent1"/>
-          </a:effectRef>
-          <a:fontRef idx="minor">
-            <a:schemeClr val="lt1"/>
-          </a:fontRef>
-        </p:style>
-        <p:txBody>
-          <a:bodyPr rtlCol="0" anchor="ctr"/>
-          <a:lstStyle/>
-          <a:p>
-            <a:pPr algn="ctr"/>
-            <a:endParaRPr lang="en-US"/>
-          </a:p>
-        </p:txBody>
-      </p:sp>
-      <p:sp>
-        <p:nvSpPr>
-          <p:cNvPr id="33" name="Rounded Rectangle 32"/>
-          <p:cNvSpPr/>
-          <p:nvPr/>
-        </p:nvSpPr>
-        <p:spPr>
-          <a:xfrm>
-            <a:off x="7225805" y="3618115"/>
-            <a:ext cx="1878629" cy="1307122"/>
-          </a:xfrm>
-          <a:prstGeom prst="roundRect">
-            <a:avLst/>
-          </a:prstGeom>
-        </p:spPr>
-        <p:style>
-          <a:lnRef idx="2">
-            <a:schemeClr val="accent1">
-              <a:shade val="50000"/>
-            </a:schemeClr>
-          </a:lnRef>
-          <a:fillRef idx="1">
-            <a:schemeClr val="accent1"/>
-          </a:fillRef>
-          <a:effectRef idx="0">
-            <a:schemeClr val="accent1"/>
-          </a:effectRef>
-          <a:fontRef idx="minor">
-            <a:schemeClr val="lt1"/>
-          </a:fontRef>
-        </p:style>
-        <p:txBody>
-          <a:bodyPr rtlCol="0" anchor="ctr"/>
-          <a:lstStyle/>
-          <a:p>
-            <a:pPr algn="ctr"/>
-            <a:endParaRPr lang="en-US"/>
-          </a:p>
-        </p:txBody>
-      </p:sp>
-      <p:sp>
-        <p:nvSpPr>
-          <p:cNvPr id="34" name="Rounded Rectangle 33"/>
-          <p:cNvSpPr/>
-          <p:nvPr/>
-        </p:nvSpPr>
-        <p:spPr>
-          <a:xfrm>
-            <a:off x="5058501" y="3618115"/>
-            <a:ext cx="1878629" cy="1307122"/>
-          </a:xfrm>
-          <a:prstGeom prst="roundRect">
-            <a:avLst/>
-          </a:prstGeom>
-        </p:spPr>
-        <p:style>
-          <a:lnRef idx="2">
-            <a:schemeClr val="accent1">
-              <a:shade val="50000"/>
-            </a:schemeClr>
-          </a:lnRef>
-          <a:fillRef idx="1">
-            <a:schemeClr val="accent1"/>
-          </a:fillRef>
-          <a:effectRef idx="0">
-            <a:schemeClr val="accent1"/>
-          </a:effectRef>
-          <a:fontRef idx="minor">
-            <a:schemeClr val="lt1"/>
-          </a:fontRef>
-        </p:style>
-        <p:txBody>
-          <a:bodyPr rtlCol="0" anchor="ctr"/>
-          <a:lstStyle/>
-          <a:p>
-            <a:pPr algn="ctr"/>
-            <a:endParaRPr lang="en-US"/>
-          </a:p>
-        </p:txBody>
-      </p:sp>
-      <p:sp>
-        <p:nvSpPr>
-          <p:cNvPr id="36" name="TextBox 35"/>
-          <p:cNvSpPr txBox="1"/>
-          <p:nvPr/>
-        </p:nvSpPr>
-        <p:spPr>
-          <a:xfrm>
-            <a:off x="1957014" y="3808614"/>
-            <a:ext cx="504023" cy="369332"/>
-          </a:xfrm>
-          <a:prstGeom prst="rect">
-            <a:avLst/>
-          </a:prstGeom>
-          <a:noFill/>
-        </p:spPr>
-        <p:txBody>
-          <a:bodyPr wrap="square" rtlCol="0">
-            <a:spAutoFit/>
-          </a:bodyPr>
-          <a:lstStyle/>
-          <a:p>
-            <a:r>
-              <a:rPr lang="ar-EG" dirty="0" smtClean="0"/>
-              <a:t>❤️</a:t>
-            </a:r>
-            <a:endParaRPr lang="en-US" dirty="0"/>
-          </a:p>
-        </p:txBody>
-      </p:sp>
-      <p:sp>
-        <p:nvSpPr>
-          <p:cNvPr id="37" name="TextBox 36"/>
-          <p:cNvSpPr txBox="1"/>
-          <p:nvPr/>
-        </p:nvSpPr>
-        <p:spPr>
-          <a:xfrm>
-            <a:off x="4210043" y="3720664"/>
-            <a:ext cx="504023" cy="369332"/>
-          </a:xfrm>
-          <a:prstGeom prst="rect">
-            <a:avLst/>
-          </a:prstGeom>
-          <a:noFill/>
-        </p:spPr>
-        <p:txBody>
-          <a:bodyPr wrap="square" rtlCol="0">
-            <a:spAutoFit/>
-          </a:bodyPr>
-          <a:lstStyle/>
-          <a:p>
-            <a:r>
-              <a:rPr lang="ar-EG" dirty="0" smtClean="0"/>
-              <a:t>❤️</a:t>
-            </a:r>
-            <a:endParaRPr lang="en-US" dirty="0"/>
-          </a:p>
-        </p:txBody>
-      </p:sp>
-      <p:sp>
-        <p:nvSpPr>
-          <p:cNvPr id="38" name="TextBox 37"/>
-          <p:cNvSpPr txBox="1"/>
-          <p:nvPr/>
-        </p:nvSpPr>
-        <p:spPr>
-          <a:xfrm>
-            <a:off x="6377347" y="3650353"/>
-            <a:ext cx="504023" cy="369332"/>
-          </a:xfrm>
-          <a:prstGeom prst="rect">
-            <a:avLst/>
-          </a:prstGeom>
-          <a:noFill/>
-        </p:spPr>
-        <p:txBody>
-          <a:bodyPr wrap="square" rtlCol="0">
-            <a:spAutoFit/>
-          </a:bodyPr>
-          <a:lstStyle/>
-          <a:p>
-            <a:r>
-              <a:rPr lang="ar-EG" dirty="0" smtClean="0"/>
-              <a:t>❤️</a:t>
-            </a:r>
-            <a:endParaRPr lang="en-US" dirty="0"/>
-          </a:p>
-        </p:txBody>
-      </p:sp>
-      <p:sp>
-        <p:nvSpPr>
-          <p:cNvPr id="39" name="TextBox 38"/>
-          <p:cNvSpPr txBox="1"/>
-          <p:nvPr/>
-        </p:nvSpPr>
-        <p:spPr>
-          <a:xfrm>
-            <a:off x="8485303" y="3729484"/>
-            <a:ext cx="504023" cy="369332"/>
-          </a:xfrm>
-          <a:prstGeom prst="rect">
-            <a:avLst/>
-          </a:prstGeom>
-          <a:noFill/>
-        </p:spPr>
-        <p:txBody>
-          <a:bodyPr wrap="square" rtlCol="0">
-            <a:spAutoFit/>
-          </a:bodyPr>
-          <a:lstStyle/>
-          <a:p>
-            <a:r>
-              <a:rPr lang="ar-EG" dirty="0" smtClean="0"/>
-              <a:t>❤️</a:t>
-            </a:r>
-            <a:endParaRPr lang="en-US" dirty="0"/>
-          </a:p>
-        </p:txBody>
-      </p:sp>
-      <p:sp>
-        <p:nvSpPr>
-          <p:cNvPr id="40" name="TextBox 39"/>
-          <p:cNvSpPr txBox="1"/>
-          <p:nvPr/>
-        </p:nvSpPr>
-        <p:spPr>
-          <a:xfrm>
-            <a:off x="10707192" y="3764681"/>
-            <a:ext cx="504023" cy="369332"/>
-          </a:xfrm>
-          <a:prstGeom prst="rect">
-            <a:avLst/>
-          </a:prstGeom>
-          <a:noFill/>
-        </p:spPr>
-        <p:txBody>
-          <a:bodyPr wrap="square" rtlCol="0">
-            <a:spAutoFit/>
-          </a:bodyPr>
-          <a:lstStyle/>
-          <a:p>
-            <a:r>
-              <a:rPr lang="ar-EG" dirty="0" smtClean="0"/>
-              <a:t>❤️</a:t>
-            </a:r>
-            <a:endParaRPr lang="en-US" dirty="0"/>
-          </a:p>
-        </p:txBody>
-      </p:sp>
-      <p:sp>
-        <p:nvSpPr>
-          <p:cNvPr id="43" name="Rectangle 42"/>
-          <p:cNvSpPr/>
-          <p:nvPr/>
-        </p:nvSpPr>
-        <p:spPr>
-          <a:xfrm>
-            <a:off x="9748180" y="3087673"/>
-            <a:ext cx="1732085" cy="501161"/>
-          </a:xfrm>
-          <a:prstGeom prst="rect">
-            <a:avLst/>
-          </a:prstGeom>
-        </p:spPr>
-        <p:style>
-          <a:lnRef idx="2">
-            <a:schemeClr val="accent1">
-              <a:shade val="50000"/>
-            </a:schemeClr>
-          </a:lnRef>
-          <a:fillRef idx="1">
-            <a:schemeClr val="accent1"/>
-          </a:fillRef>
-          <a:effectRef idx="0">
-            <a:schemeClr val="accent1"/>
-          </a:effectRef>
-          <a:fontRef idx="minor">
-            <a:schemeClr val="lt1"/>
-          </a:fontRef>
-        </p:style>
-        <p:txBody>
-          <a:bodyPr rtlCol="0" anchor="ctr"/>
-          <a:lstStyle/>
-          <a:p>
-            <a:pPr algn="ctr"/>
-            <a:r>
-              <a:rPr lang="ar-EG" dirty="0" smtClean="0"/>
-              <a:t>عروض اليوم :</a:t>
-            </a:r>
-            <a:endParaRPr lang="en-US" dirty="0"/>
-          </a:p>
-        </p:txBody>
-      </p:sp>
-      <p:pic>
-        <p:nvPicPr>
-          <p:cNvPr id="44" name="Picture 43"/>
-          <p:cNvPicPr>
-            <a:picLocks noChangeAspect="1"/>
-          </p:cNvPicPr>
-          <p:nvPr/>
-        </p:nvPicPr>
-        <p:blipFill>
-          <a:blip r:embed="rId3">
-            <a:extLst>
-              <a:ext uri="{28A0092B-C50C-407E-A947-70E740481C1C}">
-                <a14:useLocalDpi xmlns:a14="http://schemas.microsoft.com/office/drawing/2010/main" val="0"/>
-              </a:ext>
-            </a:extLst>
-          </a:blip>
-          <a:stretch>
-            <a:fillRect/>
-          </a:stretch>
-        </p:blipFill>
-        <p:spPr>
-          <a:xfrm>
-            <a:off x="1780878" y="5036606"/>
-            <a:ext cx="8273561" cy="1657922"/>
-          </a:xfrm>
-          <a:prstGeom prst="rect">
-            <a:avLst/>
-          </a:prstGeom>
-        </p:spPr>
-      </p:pic>
-      <p:sp>
-        <p:nvSpPr>
-          <p:cNvPr id="46" name="Rectangle 45"/>
-          <p:cNvSpPr/>
-          <p:nvPr/>
-        </p:nvSpPr>
-        <p:spPr>
-          <a:xfrm>
-            <a:off x="10093160" y="5156796"/>
-            <a:ext cx="1732085" cy="501161"/>
-          </a:xfrm>
-          <a:prstGeom prst="rect">
-            <a:avLst/>
-          </a:prstGeom>
-        </p:spPr>
-        <p:style>
-          <a:lnRef idx="2">
-            <a:schemeClr val="accent1">
-              <a:shade val="50000"/>
-            </a:schemeClr>
-          </a:lnRef>
-          <a:fillRef idx="1">
-            <a:schemeClr val="accent1"/>
-          </a:fillRef>
-          <a:effectRef idx="0">
-            <a:schemeClr val="accent1"/>
-          </a:effectRef>
-          <a:fontRef idx="minor">
-            <a:schemeClr val="lt1"/>
-          </a:fontRef>
-        </p:style>
-        <p:txBody>
-          <a:bodyPr rtlCol="0" anchor="ctr"/>
-          <a:lstStyle/>
-          <a:p>
-            <a:pPr algn="ctr"/>
-            <a:r>
-              <a:rPr lang="ar-EG" dirty="0" smtClean="0"/>
-              <a:t>تقييمات :</a:t>
-            </a:r>
-            <a:endParaRPr lang="en-US" dirty="0"/>
-          </a:p>
-        </p:txBody>
-      </p:sp>
-    </p:spTree>
-    <p:extLst>
-      <p:ext uri="{BB962C8B-B14F-4D97-AF65-F5344CB8AC3E}">
-        <p14:creationId xmlns:p14="http://schemas.microsoft.com/office/powerpoint/2010/main" val="2546197446"/>
       </p:ext>
     </p:extLst>
   </p:cSld>
